--- a/img/slide/用于导出标准大小图片.pptx
+++ b/img/slide/用于导出标准大小图片.pptx
@@ -8,6 +8,7 @@
     <p:sldId id="256" r:id="rId2"/>
     <p:sldId id="257" r:id="rId3"/>
     <p:sldId id="258" r:id="rId4"/>
+    <p:sldId id="259" r:id="rId5"/>
   </p:sldIdLst>
   <p:sldSz cx="12192000" cy="6858000"/>
   <p:notesSz cx="6858000" cy="9144000"/>
@@ -261,7 +262,7 @@
           <a:p>
             <a:fld id="{9EFE4744-EB2E-451E-A29A-15527A030410}" type="datetimeFigureOut">
               <a:rPr lang="zh-CN" altLang="en-US" smtClean="0"/>
-              <a:t>2022/4/2</a:t>
+              <a:t>2022/4/6</a:t>
             </a:fld>
             <a:endParaRPr lang="zh-CN" altLang="en-US"/>
           </a:p>
@@ -459,7 +460,7 @@
           <a:p>
             <a:fld id="{9EFE4744-EB2E-451E-A29A-15527A030410}" type="datetimeFigureOut">
               <a:rPr lang="zh-CN" altLang="en-US" smtClean="0"/>
-              <a:t>2022/4/2</a:t>
+              <a:t>2022/4/6</a:t>
             </a:fld>
             <a:endParaRPr lang="zh-CN" altLang="en-US"/>
           </a:p>
@@ -667,7 +668,7 @@
           <a:p>
             <a:fld id="{9EFE4744-EB2E-451E-A29A-15527A030410}" type="datetimeFigureOut">
               <a:rPr lang="zh-CN" altLang="en-US" smtClean="0"/>
-              <a:t>2022/4/2</a:t>
+              <a:t>2022/4/6</a:t>
             </a:fld>
             <a:endParaRPr lang="zh-CN" altLang="en-US"/>
           </a:p>
@@ -865,7 +866,7 @@
           <a:p>
             <a:fld id="{9EFE4744-EB2E-451E-A29A-15527A030410}" type="datetimeFigureOut">
               <a:rPr lang="zh-CN" altLang="en-US" smtClean="0"/>
-              <a:t>2022/4/2</a:t>
+              <a:t>2022/4/6</a:t>
             </a:fld>
             <a:endParaRPr lang="zh-CN" altLang="en-US"/>
           </a:p>
@@ -1140,7 +1141,7 @@
           <a:p>
             <a:fld id="{9EFE4744-EB2E-451E-A29A-15527A030410}" type="datetimeFigureOut">
               <a:rPr lang="zh-CN" altLang="en-US" smtClean="0"/>
-              <a:t>2022/4/2</a:t>
+              <a:t>2022/4/6</a:t>
             </a:fld>
             <a:endParaRPr lang="zh-CN" altLang="en-US"/>
           </a:p>
@@ -1405,7 +1406,7 @@
           <a:p>
             <a:fld id="{9EFE4744-EB2E-451E-A29A-15527A030410}" type="datetimeFigureOut">
               <a:rPr lang="zh-CN" altLang="en-US" smtClean="0"/>
-              <a:t>2022/4/2</a:t>
+              <a:t>2022/4/6</a:t>
             </a:fld>
             <a:endParaRPr lang="zh-CN" altLang="en-US"/>
           </a:p>
@@ -1817,7 +1818,7 @@
           <a:p>
             <a:fld id="{9EFE4744-EB2E-451E-A29A-15527A030410}" type="datetimeFigureOut">
               <a:rPr lang="zh-CN" altLang="en-US" smtClean="0"/>
-              <a:t>2022/4/2</a:t>
+              <a:t>2022/4/6</a:t>
             </a:fld>
             <a:endParaRPr lang="zh-CN" altLang="en-US"/>
           </a:p>
@@ -1958,7 +1959,7 @@
           <a:p>
             <a:fld id="{9EFE4744-EB2E-451E-A29A-15527A030410}" type="datetimeFigureOut">
               <a:rPr lang="zh-CN" altLang="en-US" smtClean="0"/>
-              <a:t>2022/4/2</a:t>
+              <a:t>2022/4/6</a:t>
             </a:fld>
             <a:endParaRPr lang="zh-CN" altLang="en-US"/>
           </a:p>
@@ -2071,7 +2072,7 @@
           <a:p>
             <a:fld id="{9EFE4744-EB2E-451E-A29A-15527A030410}" type="datetimeFigureOut">
               <a:rPr lang="zh-CN" altLang="en-US" smtClean="0"/>
-              <a:t>2022/4/2</a:t>
+              <a:t>2022/4/6</a:t>
             </a:fld>
             <a:endParaRPr lang="zh-CN" altLang="en-US"/>
           </a:p>
@@ -2382,7 +2383,7 @@
           <a:p>
             <a:fld id="{9EFE4744-EB2E-451E-A29A-15527A030410}" type="datetimeFigureOut">
               <a:rPr lang="zh-CN" altLang="en-US" smtClean="0"/>
-              <a:t>2022/4/2</a:t>
+              <a:t>2022/4/6</a:t>
             </a:fld>
             <a:endParaRPr lang="zh-CN" altLang="en-US"/>
           </a:p>
@@ -2670,7 +2671,7 @@
           <a:p>
             <a:fld id="{9EFE4744-EB2E-451E-A29A-15527A030410}" type="datetimeFigureOut">
               <a:rPr lang="zh-CN" altLang="en-US" smtClean="0"/>
-              <a:t>2022/4/2</a:t>
+              <a:t>2022/4/6</a:t>
             </a:fld>
             <a:endParaRPr lang="zh-CN" altLang="en-US"/>
           </a:p>
@@ -2911,7 +2912,7 @@
           <a:p>
             <a:fld id="{9EFE4744-EB2E-451E-A29A-15527A030410}" type="datetimeFigureOut">
               <a:rPr lang="zh-CN" altLang="en-US" smtClean="0"/>
-              <a:t>2022/4/2</a:t>
+              <a:t>2022/4/6</a:t>
             </a:fld>
             <a:endParaRPr lang="zh-CN" altLang="en-US"/>
           </a:p>
@@ -3509,6 +3510,83 @@
 </p:sld>
 </file>
 
+<file path=ppt/slides/slide4.xml><?xml version="1.0" encoding="utf-8"?>
+<p:sld xmlns:a="http://schemas.openxmlformats.org/drawingml/2006/main" xmlns:r="http://schemas.openxmlformats.org/officeDocument/2006/relationships" xmlns:p="http://schemas.openxmlformats.org/presentationml/2006/main">
+  <p:cSld>
+    <p:spTree>
+      <p:nvGrpSpPr>
+        <p:cNvPr id="1" name=""/>
+        <p:cNvGrpSpPr/>
+        <p:nvPr/>
+      </p:nvGrpSpPr>
+      <p:grpSpPr>
+        <a:xfrm>
+          <a:off x="0" y="0"/>
+          <a:ext cx="0" cy="0"/>
+          <a:chOff x="0" y="0"/>
+          <a:chExt cx="0" cy="0"/>
+        </a:xfrm>
+      </p:grpSpPr>
+      <p:pic>
+        <p:nvPicPr>
+          <p:cNvPr id="1026" name="Picture 2" descr="Fig. 3">
+            <a:extLst>
+              <a:ext uri="{FF2B5EF4-FFF2-40B4-BE49-F238E27FC236}">
+                <a16:creationId xmlns:a16="http://schemas.microsoft.com/office/drawing/2014/main" id="{6CDF1D1F-6149-4D3B-BC45-9C0D5F34C12B}"/>
+              </a:ext>
+            </a:extLst>
+          </p:cNvPr>
+          <p:cNvPicPr>
+            <a:picLocks noChangeAspect="1" noChangeArrowheads="1"/>
+          </p:cNvPicPr>
+          <p:nvPr/>
+        </p:nvPicPr>
+        <p:blipFill>
+          <a:blip r:embed="rId2">
+            <a:extLst>
+              <a:ext uri="{28A0092B-C50C-407E-A947-70E740481C1C}">
+                <a14:useLocalDpi xmlns:a14="http://schemas.microsoft.com/office/drawing/2010/main" val="0"/>
+              </a:ext>
+            </a:extLst>
+          </a:blip>
+          <a:srcRect/>
+          <a:stretch>
+            <a:fillRect/>
+          </a:stretch>
+        </p:blipFill>
+        <p:spPr bwMode="auto">
+          <a:xfrm>
+            <a:off x="-1200" y="387050"/>
+            <a:ext cx="12193200" cy="6083899"/>
+          </a:xfrm>
+          <a:prstGeom prst="rect">
+            <a:avLst/>
+          </a:prstGeom>
+          <a:noFill/>
+          <a:extLst>
+            <a:ext uri="{909E8E84-426E-40DD-AFC4-6F175D3DCCD1}">
+              <a14:hiddenFill xmlns:a14="http://schemas.microsoft.com/office/drawing/2010/main">
+                <a:solidFill>
+                  <a:srgbClr val="FFFFFF"/>
+                </a:solidFill>
+              </a14:hiddenFill>
+            </a:ext>
+          </a:extLst>
+        </p:spPr>
+      </p:pic>
+    </p:spTree>
+    <p:extLst>
+      <p:ext uri="{BB962C8B-B14F-4D97-AF65-F5344CB8AC3E}">
+        <p14:creationId xmlns:p14="http://schemas.microsoft.com/office/powerpoint/2010/main" val="2203175921"/>
+      </p:ext>
+    </p:extLst>
+  </p:cSld>
+  <p:clrMapOvr>
+    <a:masterClrMapping/>
+  </p:clrMapOvr>
+</p:sld>
+</file>
+
 <file path=ppt/theme/theme1.xml><?xml version="1.0" encoding="utf-8"?>
 <a:theme xmlns:a="http://schemas.openxmlformats.org/drawingml/2006/main" name="Office 主题​​">
   <a:themeElements>
